--- a/Docs/meeting 5.20.pptx
+++ b/Docs/meeting 5.20.pptx
@@ -114,6 +114,11 @@
       </a:defRPr>
     </a:lvl9pPr>
   </p:defaultTextStyle>
+  <p:extLst>
+    <p:ext uri="{EFAFB233-063F-42B5-8137-9DF3F51BA10A}">
+      <p15:sldGuideLst xmlns:p15="http://schemas.microsoft.com/office/powerpoint/2012/main"/>
+    </p:ext>
+  </p:extLst>
 </p:presentation>
 </file>
 
@@ -266,7 +271,7 @@
           <a:p>
             <a:fld id="{7FBF00F7-748B-4B0B-BD33-5B4E9706B5FA}" type="datetimeFigureOut">
               <a:rPr lang="en-US" smtClean="0"/>
-              <a:t>5/20/2020</a:t>
+              <a:t>7/15/2020</a:t>
             </a:fld>
             <a:endParaRPr lang="en-US"/>
           </a:p>
@@ -466,7 +471,7 @@
           <a:p>
             <a:fld id="{7FBF00F7-748B-4B0B-BD33-5B4E9706B5FA}" type="datetimeFigureOut">
               <a:rPr lang="en-US" smtClean="0"/>
-              <a:t>5/20/2020</a:t>
+              <a:t>7/15/2020</a:t>
             </a:fld>
             <a:endParaRPr lang="en-US"/>
           </a:p>
@@ -676,7 +681,7 @@
           <a:p>
             <a:fld id="{7FBF00F7-748B-4B0B-BD33-5B4E9706B5FA}" type="datetimeFigureOut">
               <a:rPr lang="en-US" smtClean="0"/>
-              <a:t>5/20/2020</a:t>
+              <a:t>7/15/2020</a:t>
             </a:fld>
             <a:endParaRPr lang="en-US"/>
           </a:p>
@@ -876,7 +881,7 @@
           <a:p>
             <a:fld id="{7FBF00F7-748B-4B0B-BD33-5B4E9706B5FA}" type="datetimeFigureOut">
               <a:rPr lang="en-US" smtClean="0"/>
-              <a:t>5/20/2020</a:t>
+              <a:t>7/15/2020</a:t>
             </a:fld>
             <a:endParaRPr lang="en-US"/>
           </a:p>
@@ -1152,7 +1157,7 @@
           <a:p>
             <a:fld id="{7FBF00F7-748B-4B0B-BD33-5B4E9706B5FA}" type="datetimeFigureOut">
               <a:rPr lang="en-US" smtClean="0"/>
-              <a:t>5/20/2020</a:t>
+              <a:t>7/15/2020</a:t>
             </a:fld>
             <a:endParaRPr lang="en-US"/>
           </a:p>
@@ -1420,7 +1425,7 @@
           <a:p>
             <a:fld id="{7FBF00F7-748B-4B0B-BD33-5B4E9706B5FA}" type="datetimeFigureOut">
               <a:rPr lang="en-US" smtClean="0"/>
-              <a:t>5/20/2020</a:t>
+              <a:t>7/15/2020</a:t>
             </a:fld>
             <a:endParaRPr lang="en-US"/>
           </a:p>
@@ -1835,7 +1840,7 @@
           <a:p>
             <a:fld id="{7FBF00F7-748B-4B0B-BD33-5B4E9706B5FA}" type="datetimeFigureOut">
               <a:rPr lang="en-US" smtClean="0"/>
-              <a:t>5/20/2020</a:t>
+              <a:t>7/15/2020</a:t>
             </a:fld>
             <a:endParaRPr lang="en-US"/>
           </a:p>
@@ -1977,7 +1982,7 @@
           <a:p>
             <a:fld id="{7FBF00F7-748B-4B0B-BD33-5B4E9706B5FA}" type="datetimeFigureOut">
               <a:rPr lang="en-US" smtClean="0"/>
-              <a:t>5/20/2020</a:t>
+              <a:t>7/15/2020</a:t>
             </a:fld>
             <a:endParaRPr lang="en-US"/>
           </a:p>
@@ -2090,7 +2095,7 @@
           <a:p>
             <a:fld id="{7FBF00F7-748B-4B0B-BD33-5B4E9706B5FA}" type="datetimeFigureOut">
               <a:rPr lang="en-US" smtClean="0"/>
-              <a:t>5/20/2020</a:t>
+              <a:t>7/15/2020</a:t>
             </a:fld>
             <a:endParaRPr lang="en-US"/>
           </a:p>
@@ -2403,7 +2408,7 @@
           <a:p>
             <a:fld id="{7FBF00F7-748B-4B0B-BD33-5B4E9706B5FA}" type="datetimeFigureOut">
               <a:rPr lang="en-US" smtClean="0"/>
-              <a:t>5/20/2020</a:t>
+              <a:t>7/15/2020</a:t>
             </a:fld>
             <a:endParaRPr lang="en-US"/>
           </a:p>
@@ -2692,7 +2697,7 @@
           <a:p>
             <a:fld id="{7FBF00F7-748B-4B0B-BD33-5B4E9706B5FA}" type="datetimeFigureOut">
               <a:rPr lang="en-US" smtClean="0"/>
-              <a:t>5/20/2020</a:t>
+              <a:t>7/15/2020</a:t>
             </a:fld>
             <a:endParaRPr lang="en-US"/>
           </a:p>
@@ -2935,7 +2940,7 @@
           <a:p>
             <a:fld id="{7FBF00F7-748B-4B0B-BD33-5B4E9706B5FA}" type="datetimeFigureOut">
               <a:rPr lang="en-US" smtClean="0"/>
-              <a:t>5/20/2020</a:t>
+              <a:t>7/15/2020</a:t>
             </a:fld>
             <a:endParaRPr lang="en-US"/>
           </a:p>
@@ -4064,15 +4069,7 @@
             <a:pPr lvl="1"/>
             <a:r>
               <a:rPr lang="en-US" dirty="0"/>
-              <a:t>Ideally using backup site; and switch back when server is </a:t>
-            </a:r>
-            <a:r>
-              <a:rPr lang="en-US" dirty="0" err="1"/>
-              <a:t>avalible</a:t>
-            </a:r>
-            <a:r>
-              <a:rPr lang="en-US" dirty="0"/>
-              <a:t> </a:t>
+              <a:t>Ideally using backup site; and switch back when server is available </a:t>
             </a:r>
           </a:p>
         </p:txBody>
